--- a/Activity Diagram/AD_fanpage.pptx
+++ b/Activity Diagram/AD_fanpage.pptx
@@ -269,7 +269,7 @@
           <a:p>
             <a:fld id="{AA431702-9E4C-4E97-8392-A5D8F2F0B9DA}" type="datetimeFigureOut">
               <a:rPr lang="en-US" smtClean="0"/>
-              <a:t>4/12/2025</a:t>
+              <a:t>4/13/2025</a:t>
             </a:fld>
             <a:endParaRPr lang="en-US"/>
           </a:p>
@@ -467,7 +467,7 @@
           <a:p>
             <a:fld id="{AA431702-9E4C-4E97-8392-A5D8F2F0B9DA}" type="datetimeFigureOut">
               <a:rPr lang="en-US" smtClean="0"/>
-              <a:t>4/12/2025</a:t>
+              <a:t>4/13/2025</a:t>
             </a:fld>
             <a:endParaRPr lang="en-US"/>
           </a:p>
@@ -675,7 +675,7 @@
           <a:p>
             <a:fld id="{AA431702-9E4C-4E97-8392-A5D8F2F0B9DA}" type="datetimeFigureOut">
               <a:rPr lang="en-US" smtClean="0"/>
-              <a:t>4/12/2025</a:t>
+              <a:t>4/13/2025</a:t>
             </a:fld>
             <a:endParaRPr lang="en-US"/>
           </a:p>
@@ -873,7 +873,7 @@
           <a:p>
             <a:fld id="{AA431702-9E4C-4E97-8392-A5D8F2F0B9DA}" type="datetimeFigureOut">
               <a:rPr lang="en-US" smtClean="0"/>
-              <a:t>4/12/2025</a:t>
+              <a:t>4/13/2025</a:t>
             </a:fld>
             <a:endParaRPr lang="en-US"/>
           </a:p>
@@ -1148,7 +1148,7 @@
           <a:p>
             <a:fld id="{AA431702-9E4C-4E97-8392-A5D8F2F0B9DA}" type="datetimeFigureOut">
               <a:rPr lang="en-US" smtClean="0"/>
-              <a:t>4/12/2025</a:t>
+              <a:t>4/13/2025</a:t>
             </a:fld>
             <a:endParaRPr lang="en-US"/>
           </a:p>
@@ -1413,7 +1413,7 @@
           <a:p>
             <a:fld id="{AA431702-9E4C-4E97-8392-A5D8F2F0B9DA}" type="datetimeFigureOut">
               <a:rPr lang="en-US" smtClean="0"/>
-              <a:t>4/12/2025</a:t>
+              <a:t>4/13/2025</a:t>
             </a:fld>
             <a:endParaRPr lang="en-US"/>
           </a:p>
@@ -1825,7 +1825,7 @@
           <a:p>
             <a:fld id="{AA431702-9E4C-4E97-8392-A5D8F2F0B9DA}" type="datetimeFigureOut">
               <a:rPr lang="en-US" smtClean="0"/>
-              <a:t>4/12/2025</a:t>
+              <a:t>4/13/2025</a:t>
             </a:fld>
             <a:endParaRPr lang="en-US"/>
           </a:p>
@@ -1966,7 +1966,7 @@
           <a:p>
             <a:fld id="{AA431702-9E4C-4E97-8392-A5D8F2F0B9DA}" type="datetimeFigureOut">
               <a:rPr lang="en-US" smtClean="0"/>
-              <a:t>4/12/2025</a:t>
+              <a:t>4/13/2025</a:t>
             </a:fld>
             <a:endParaRPr lang="en-US"/>
           </a:p>
@@ -2079,7 +2079,7 @@
           <a:p>
             <a:fld id="{AA431702-9E4C-4E97-8392-A5D8F2F0B9DA}" type="datetimeFigureOut">
               <a:rPr lang="en-US" smtClean="0"/>
-              <a:t>4/12/2025</a:t>
+              <a:t>4/13/2025</a:t>
             </a:fld>
             <a:endParaRPr lang="en-US"/>
           </a:p>
@@ -2390,7 +2390,7 @@
           <a:p>
             <a:fld id="{AA431702-9E4C-4E97-8392-A5D8F2F0B9DA}" type="datetimeFigureOut">
               <a:rPr lang="en-US" smtClean="0"/>
-              <a:t>4/12/2025</a:t>
+              <a:t>4/13/2025</a:t>
             </a:fld>
             <a:endParaRPr lang="en-US"/>
           </a:p>
@@ -2678,7 +2678,7 @@
           <a:p>
             <a:fld id="{AA431702-9E4C-4E97-8392-A5D8F2F0B9DA}" type="datetimeFigureOut">
               <a:rPr lang="en-US" smtClean="0"/>
-              <a:t>4/12/2025</a:t>
+              <a:t>4/13/2025</a:t>
             </a:fld>
             <a:endParaRPr lang="en-US"/>
           </a:p>
@@ -2919,7 +2919,7 @@
           <a:p>
             <a:fld id="{AA431702-9E4C-4E97-8392-A5D8F2F0B9DA}" type="datetimeFigureOut">
               <a:rPr lang="en-US" smtClean="0"/>
-              <a:t>4/12/2025</a:t>
+              <a:t>4/13/2025</a:t>
             </a:fld>
             <a:endParaRPr lang="en-US"/>
           </a:p>
@@ -5573,48 +5573,6 @@
       </p:cxnSp>
       <p:cxnSp>
         <p:nvCxnSpPr>
-          <p:cNvPr id="46" name="Straight Arrow Connector 45">
-            <a:extLst>
-              <a:ext uri="{FF2B5EF4-FFF2-40B4-BE49-F238E27FC236}">
-                <a16:creationId xmlns:a16="http://schemas.microsoft.com/office/drawing/2014/main" id="{9C9D8F44-427C-D836-AFCD-0CFBA0143C9C}"/>
-              </a:ext>
-            </a:extLst>
-          </p:cNvPr>
-          <p:cNvCxnSpPr>
-            <a:stCxn id="19" idx="3"/>
-            <a:endCxn id="20" idx="1"/>
-          </p:cNvCxnSpPr>
-          <p:nvPr/>
-        </p:nvCxnSpPr>
-        <p:spPr>
-          <a:xfrm flipV="1">
-            <a:off x="2862938" y="2597641"/>
-            <a:ext cx="2289429" cy="3281"/>
-          </a:xfrm>
-          <a:prstGeom prst="straightConnector1">
-            <a:avLst/>
-          </a:prstGeom>
-          <a:ln>
-            <a:tailEnd type="triangle"/>
-          </a:ln>
-        </p:spPr>
-        <p:style>
-          <a:lnRef idx="2">
-            <a:schemeClr val="accent1"/>
-          </a:lnRef>
-          <a:fillRef idx="0">
-            <a:schemeClr val="accent1"/>
-          </a:fillRef>
-          <a:effectRef idx="1">
-            <a:schemeClr val="accent1"/>
-          </a:effectRef>
-          <a:fontRef idx="minor">
-            <a:schemeClr val="tx1"/>
-          </a:fontRef>
-        </p:style>
-      </p:cxnSp>
-      <p:cxnSp>
-        <p:nvCxnSpPr>
           <p:cNvPr id="50" name="Straight Arrow Connector 49">
             <a:extLst>
               <a:ext uri="{FF2B5EF4-FFF2-40B4-BE49-F238E27FC236}">
@@ -6446,6 +6404,7 @@
             </a:extLst>
           </p:cNvPr>
           <p:cNvCxnSpPr>
+            <a:cxnSpLocks/>
             <a:stCxn id="37" idx="0"/>
             <a:endCxn id="101" idx="2"/>
           </p:cNvCxnSpPr>
@@ -6529,6 +6488,7 @@
             </a:extLst>
           </p:cNvPr>
           <p:cNvCxnSpPr>
+            <a:cxnSpLocks/>
             <a:stCxn id="101" idx="0"/>
           </p:cNvCxnSpPr>
           <p:nvPr/>
@@ -6609,6 +6569,433 @@
           </a:p>
         </p:txBody>
       </p:sp>
+      <p:cxnSp>
+        <p:nvCxnSpPr>
+          <p:cNvPr id="2" name="Straight Arrow Connector 1">
+            <a:extLst>
+              <a:ext uri="{FF2B5EF4-FFF2-40B4-BE49-F238E27FC236}">
+                <a16:creationId xmlns:a16="http://schemas.microsoft.com/office/drawing/2014/main" id="{AD61C5C9-FA71-B80C-D5DE-D1877F12BBA6}"/>
+              </a:ext>
+            </a:extLst>
+          </p:cNvPr>
+          <p:cNvCxnSpPr/>
+          <p:nvPr/>
+        </p:nvCxnSpPr>
+        <p:spPr>
+          <a:xfrm>
+            <a:off x="1880712" y="2788141"/>
+            <a:ext cx="0" cy="278693"/>
+          </a:xfrm>
+          <a:prstGeom prst="straightConnector1">
+            <a:avLst/>
+          </a:prstGeom>
+          <a:ln>
+            <a:tailEnd type="triangle"/>
+          </a:ln>
+        </p:spPr>
+        <p:style>
+          <a:lnRef idx="2">
+            <a:schemeClr val="accent1"/>
+          </a:lnRef>
+          <a:fillRef idx="0">
+            <a:schemeClr val="accent1"/>
+          </a:fillRef>
+          <a:effectRef idx="1">
+            <a:schemeClr val="accent1"/>
+          </a:effectRef>
+          <a:fontRef idx="minor">
+            <a:schemeClr val="tx1"/>
+          </a:fontRef>
+        </p:style>
+      </p:cxnSp>
+      <p:sp>
+        <p:nvSpPr>
+          <p:cNvPr id="3" name="Rectangle: Rounded Corners 2">
+            <a:extLst>
+              <a:ext uri="{FF2B5EF4-FFF2-40B4-BE49-F238E27FC236}">
+                <a16:creationId xmlns:a16="http://schemas.microsoft.com/office/drawing/2014/main" id="{0B773CA6-5015-3FFD-C860-8B3940DF4DB2}"/>
+              </a:ext>
+            </a:extLst>
+          </p:cNvPr>
+          <p:cNvSpPr/>
+          <p:nvPr/>
+        </p:nvSpPr>
+        <p:spPr>
+          <a:xfrm>
+            <a:off x="1253963" y="3503226"/>
+            <a:ext cx="1318477" cy="305511"/>
+          </a:xfrm>
+          <a:prstGeom prst="roundRect">
+            <a:avLst/>
+          </a:prstGeom>
+        </p:spPr>
+        <p:style>
+          <a:lnRef idx="2">
+            <a:schemeClr val="accent6"/>
+          </a:lnRef>
+          <a:fillRef idx="1">
+            <a:schemeClr val="lt1"/>
+          </a:fillRef>
+          <a:effectRef idx="0">
+            <a:schemeClr val="accent6"/>
+          </a:effectRef>
+          <a:fontRef idx="minor">
+            <a:schemeClr val="dk1"/>
+          </a:fontRef>
+        </p:style>
+        <p:txBody>
+          <a:bodyPr rtlCol="0" anchor="ctr"/>
+          <a:lstStyle/>
+          <a:p>
+            <a:pPr algn="ctr"/>
+            <a:r>
+              <a:rPr lang="vi-VN" sz="1400" dirty="0">
+                <a:latin typeface="Times New Roman" panose="02020603050405020304" pitchFamily="18" charset="0"/>
+                <a:cs typeface="Times New Roman" panose="02020603050405020304" pitchFamily="18" charset="0"/>
+              </a:rPr>
+              <a:t>Trả lời câu hỏi</a:t>
+            </a:r>
+            <a:endParaRPr lang="en-US" sz="1400" dirty="0">
+              <a:latin typeface="Times New Roman" panose="02020603050405020304" pitchFamily="18" charset="0"/>
+              <a:cs typeface="Times New Roman" panose="02020603050405020304" pitchFamily="18" charset="0"/>
+            </a:endParaRPr>
+          </a:p>
+        </p:txBody>
+      </p:sp>
+      <p:sp>
+        <p:nvSpPr>
+          <p:cNvPr id="4" name="Flowchart: Decision 3">
+            <a:extLst>
+              <a:ext uri="{FF2B5EF4-FFF2-40B4-BE49-F238E27FC236}">
+                <a16:creationId xmlns:a16="http://schemas.microsoft.com/office/drawing/2014/main" id="{734C3DB3-788E-859B-10B6-AEE32122B584}"/>
+              </a:ext>
+            </a:extLst>
+          </p:cNvPr>
+          <p:cNvSpPr/>
+          <p:nvPr/>
+        </p:nvSpPr>
+        <p:spPr>
+          <a:xfrm>
+            <a:off x="1630305" y="3076521"/>
+            <a:ext cx="522515" cy="228600"/>
+          </a:xfrm>
+          <a:prstGeom prst="flowChartDecision">
+            <a:avLst/>
+          </a:prstGeom>
+        </p:spPr>
+        <p:style>
+          <a:lnRef idx="2">
+            <a:schemeClr val="accent6"/>
+          </a:lnRef>
+          <a:fillRef idx="1">
+            <a:schemeClr val="lt1"/>
+          </a:fillRef>
+          <a:effectRef idx="0">
+            <a:schemeClr val="accent6"/>
+          </a:effectRef>
+          <a:fontRef idx="minor">
+            <a:schemeClr val="dk1"/>
+          </a:fontRef>
+        </p:style>
+        <p:txBody>
+          <a:bodyPr rtlCol="0" anchor="ctr"/>
+          <a:lstStyle/>
+          <a:p>
+            <a:pPr algn="ctr"/>
+            <a:endParaRPr lang="en-US"/>
+          </a:p>
+        </p:txBody>
+      </p:sp>
+      <p:cxnSp>
+        <p:nvCxnSpPr>
+          <p:cNvPr id="6" name="Straight Arrow Connector 5">
+            <a:extLst>
+              <a:ext uri="{FF2B5EF4-FFF2-40B4-BE49-F238E27FC236}">
+                <a16:creationId xmlns:a16="http://schemas.microsoft.com/office/drawing/2014/main" id="{D46DEAA6-8C2E-2B52-879D-CAE216ED55FB}"/>
+              </a:ext>
+            </a:extLst>
+          </p:cNvPr>
+          <p:cNvCxnSpPr>
+            <a:stCxn id="4" idx="2"/>
+            <a:endCxn id="3" idx="0"/>
+          </p:cNvCxnSpPr>
+          <p:nvPr/>
+        </p:nvCxnSpPr>
+        <p:spPr>
+          <a:xfrm>
+            <a:off x="1891563" y="3305121"/>
+            <a:ext cx="21639" cy="198105"/>
+          </a:xfrm>
+          <a:prstGeom prst="straightConnector1">
+            <a:avLst/>
+          </a:prstGeom>
+          <a:ln>
+            <a:tailEnd type="triangle"/>
+          </a:ln>
+        </p:spPr>
+        <p:style>
+          <a:lnRef idx="2">
+            <a:schemeClr val="accent1"/>
+          </a:lnRef>
+          <a:fillRef idx="0">
+            <a:schemeClr val="accent1"/>
+          </a:fillRef>
+          <a:effectRef idx="1">
+            <a:schemeClr val="accent1"/>
+          </a:effectRef>
+          <a:fontRef idx="minor">
+            <a:schemeClr val="tx1"/>
+          </a:fontRef>
+        </p:style>
+      </p:cxnSp>
+      <p:sp>
+        <p:nvSpPr>
+          <p:cNvPr id="7" name="TextBox 6">
+            <a:extLst>
+              <a:ext uri="{FF2B5EF4-FFF2-40B4-BE49-F238E27FC236}">
+                <a16:creationId xmlns:a16="http://schemas.microsoft.com/office/drawing/2014/main" id="{BD104AE4-656F-00C4-C4A3-637836C03C49}"/>
+              </a:ext>
+            </a:extLst>
+          </p:cNvPr>
+          <p:cNvSpPr txBox="1"/>
+          <p:nvPr/>
+        </p:nvSpPr>
+        <p:spPr>
+          <a:xfrm>
+            <a:off x="845351" y="3175338"/>
+            <a:ext cx="980756" cy="307777"/>
+          </a:xfrm>
+          <a:prstGeom prst="rect">
+            <a:avLst/>
+          </a:prstGeom>
+          <a:noFill/>
+        </p:spPr>
+        <p:txBody>
+          <a:bodyPr wrap="square" rtlCol="0">
+            <a:spAutoFit/>
+          </a:bodyPr>
+          <a:lstStyle/>
+          <a:p>
+            <a:r>
+              <a:rPr lang="vi-VN" sz="1400" dirty="0">
+                <a:latin typeface="+mj-lt"/>
+              </a:rPr>
+              <a:t>Có câu hỏi</a:t>
+            </a:r>
+            <a:endParaRPr lang="en-US" sz="1400" dirty="0">
+              <a:latin typeface="+mj-lt"/>
+            </a:endParaRPr>
+          </a:p>
+        </p:txBody>
+      </p:sp>
+      <p:cxnSp>
+        <p:nvCxnSpPr>
+          <p:cNvPr id="24" name="Straight Arrow Connector 23">
+            <a:extLst>
+              <a:ext uri="{FF2B5EF4-FFF2-40B4-BE49-F238E27FC236}">
+                <a16:creationId xmlns:a16="http://schemas.microsoft.com/office/drawing/2014/main" id="{BBEF813D-420D-DE97-A7D3-0B5B377E1315}"/>
+              </a:ext>
+            </a:extLst>
+          </p:cNvPr>
+          <p:cNvCxnSpPr>
+            <a:cxnSpLocks/>
+          </p:cNvCxnSpPr>
+          <p:nvPr/>
+        </p:nvCxnSpPr>
+        <p:spPr>
+          <a:xfrm>
+            <a:off x="2129044" y="3167884"/>
+            <a:ext cx="1036557" cy="16174"/>
+          </a:xfrm>
+          <a:prstGeom prst="straightConnector1">
+            <a:avLst/>
+          </a:prstGeom>
+          <a:ln>
+            <a:tailEnd type="triangle"/>
+          </a:ln>
+        </p:spPr>
+        <p:style>
+          <a:lnRef idx="2">
+            <a:schemeClr val="accent1"/>
+          </a:lnRef>
+          <a:fillRef idx="0">
+            <a:schemeClr val="accent1"/>
+          </a:fillRef>
+          <a:effectRef idx="1">
+            <a:schemeClr val="accent1"/>
+          </a:effectRef>
+          <a:fontRef idx="minor">
+            <a:schemeClr val="tx1"/>
+          </a:fontRef>
+        </p:style>
+      </p:cxnSp>
+      <p:sp>
+        <p:nvSpPr>
+          <p:cNvPr id="26" name="TextBox 25">
+            <a:extLst>
+              <a:ext uri="{FF2B5EF4-FFF2-40B4-BE49-F238E27FC236}">
+                <a16:creationId xmlns:a16="http://schemas.microsoft.com/office/drawing/2014/main" id="{43AE7DA8-9011-416A-1451-425E34D78ED9}"/>
+              </a:ext>
+            </a:extLst>
+          </p:cNvPr>
+          <p:cNvSpPr txBox="1"/>
+          <p:nvPr/>
+        </p:nvSpPr>
+        <p:spPr>
+          <a:xfrm rot="20810635">
+            <a:off x="2244679" y="2631655"/>
+            <a:ext cx="2008337" cy="307777"/>
+          </a:xfrm>
+          <a:prstGeom prst="rect">
+            <a:avLst/>
+          </a:prstGeom>
+          <a:noFill/>
+        </p:spPr>
+        <p:txBody>
+          <a:bodyPr wrap="square" rtlCol="0">
+            <a:spAutoFit/>
+          </a:bodyPr>
+          <a:lstStyle/>
+          <a:p>
+            <a:r>
+              <a:rPr lang="vi-VN" sz="1400" dirty="0">
+                <a:latin typeface="+mj-lt"/>
+              </a:rPr>
+              <a:t>Không có câu hỏi</a:t>
+            </a:r>
+            <a:endParaRPr lang="en-US" sz="1400" dirty="0">
+              <a:latin typeface="+mj-lt"/>
+            </a:endParaRPr>
+          </a:p>
+        </p:txBody>
+      </p:sp>
+      <p:sp>
+        <p:nvSpPr>
+          <p:cNvPr id="38" name="Flowchart: Decision 37">
+            <a:extLst>
+              <a:ext uri="{FF2B5EF4-FFF2-40B4-BE49-F238E27FC236}">
+                <a16:creationId xmlns:a16="http://schemas.microsoft.com/office/drawing/2014/main" id="{1C7DCAF9-531A-1522-5C19-A73ED9CCFF5F}"/>
+              </a:ext>
+            </a:extLst>
+          </p:cNvPr>
+          <p:cNvSpPr/>
+          <p:nvPr/>
+        </p:nvSpPr>
+        <p:spPr>
+          <a:xfrm rot="5400000">
+            <a:off x="3039597" y="3078977"/>
+            <a:ext cx="522515" cy="270506"/>
+          </a:xfrm>
+          <a:prstGeom prst="flowChartDecision">
+            <a:avLst/>
+          </a:prstGeom>
+        </p:spPr>
+        <p:style>
+          <a:lnRef idx="2">
+            <a:schemeClr val="accent6"/>
+          </a:lnRef>
+          <a:fillRef idx="1">
+            <a:schemeClr val="lt1"/>
+          </a:fillRef>
+          <a:effectRef idx="0">
+            <a:schemeClr val="accent6"/>
+          </a:effectRef>
+          <a:fontRef idx="minor">
+            <a:schemeClr val="dk1"/>
+          </a:fontRef>
+        </p:style>
+        <p:txBody>
+          <a:bodyPr rtlCol="0" anchor="ctr"/>
+          <a:lstStyle/>
+          <a:p>
+            <a:pPr algn="ctr"/>
+            <a:endParaRPr lang="en-US"/>
+          </a:p>
+        </p:txBody>
+      </p:sp>
+      <p:cxnSp>
+        <p:nvCxnSpPr>
+          <p:cNvPr id="42" name="Straight Arrow Connector 41">
+            <a:extLst>
+              <a:ext uri="{FF2B5EF4-FFF2-40B4-BE49-F238E27FC236}">
+                <a16:creationId xmlns:a16="http://schemas.microsoft.com/office/drawing/2014/main" id="{46626C8F-54BB-4888-C3FF-5D4345D3584E}"/>
+              </a:ext>
+            </a:extLst>
+          </p:cNvPr>
+          <p:cNvCxnSpPr>
+            <a:stCxn id="3" idx="3"/>
+          </p:cNvCxnSpPr>
+          <p:nvPr/>
+        </p:nvCxnSpPr>
+        <p:spPr>
+          <a:xfrm flipV="1">
+            <a:off x="2572440" y="3241772"/>
+            <a:ext cx="537360" cy="414210"/>
+          </a:xfrm>
+          <a:prstGeom prst="straightConnector1">
+            <a:avLst/>
+          </a:prstGeom>
+          <a:ln>
+            <a:tailEnd type="triangle"/>
+          </a:ln>
+        </p:spPr>
+        <p:style>
+          <a:lnRef idx="2">
+            <a:schemeClr val="accent1"/>
+          </a:lnRef>
+          <a:fillRef idx="0">
+            <a:schemeClr val="accent1"/>
+          </a:fillRef>
+          <a:effectRef idx="1">
+            <a:schemeClr val="accent1"/>
+          </a:effectRef>
+          <a:fontRef idx="minor">
+            <a:schemeClr val="tx1"/>
+          </a:fontRef>
+        </p:style>
+      </p:cxnSp>
+      <p:cxnSp>
+        <p:nvCxnSpPr>
+          <p:cNvPr id="45" name="Straight Arrow Connector 44">
+            <a:extLst>
+              <a:ext uri="{FF2B5EF4-FFF2-40B4-BE49-F238E27FC236}">
+                <a16:creationId xmlns:a16="http://schemas.microsoft.com/office/drawing/2014/main" id="{25E92BE4-5DD5-392D-6429-B162EDD02C07}"/>
+              </a:ext>
+            </a:extLst>
+          </p:cNvPr>
+          <p:cNvCxnSpPr>
+            <a:cxnSpLocks/>
+            <a:endCxn id="20" idx="1"/>
+          </p:cNvCxnSpPr>
+          <p:nvPr/>
+        </p:nvCxnSpPr>
+        <p:spPr>
+          <a:xfrm flipV="1">
+            <a:off x="3436108" y="2597641"/>
+            <a:ext cx="1716259" cy="627353"/>
+          </a:xfrm>
+          <a:prstGeom prst="straightConnector1">
+            <a:avLst/>
+          </a:prstGeom>
+          <a:ln>
+            <a:tailEnd type="triangle"/>
+          </a:ln>
+        </p:spPr>
+        <p:style>
+          <a:lnRef idx="2">
+            <a:schemeClr val="accent1"/>
+          </a:lnRef>
+          <a:fillRef idx="0">
+            <a:schemeClr val="accent1"/>
+          </a:fillRef>
+          <a:effectRef idx="1">
+            <a:schemeClr val="accent1"/>
+          </a:effectRef>
+          <a:fontRef idx="minor">
+            <a:schemeClr val="tx1"/>
+          </a:fontRef>
+        </p:style>
+      </p:cxnSp>
     </p:spTree>
     <p:extLst>
       <p:ext uri="{BB962C8B-B14F-4D97-AF65-F5344CB8AC3E}">
@@ -9642,6 +10029,14 @@
 </file>
 
 <file path=customXml/item2.xml><?xml version="1.0" encoding="utf-8"?>
+<p:properties xmlns:p="http://schemas.microsoft.com/office/2006/metadata/properties" xmlns:xsi="http://www.w3.org/2001/XMLSchema-instance" xmlns:pc="http://schemas.microsoft.com/office/infopath/2007/PartnerControls">
+  <documentManagement>
+    <_activity xmlns="c80d803b-ee30-4cf1-8997-d5dbef288d47" xsi:nil="true"/>
+  </documentManagement>
+</p:properties>
+</file>
+
+<file path=customXml/item3.xml><?xml version="1.0" encoding="utf-8"?>
 <ct:contentTypeSchema xmlns:ct="http://schemas.microsoft.com/office/2006/metadata/contentType" xmlns:ma="http://schemas.microsoft.com/office/2006/metadata/properties/metaAttributes" ct:_="" ma:_="" ma:contentTypeName="Document" ma:contentTypeID="0x01010091885E8D135CD643938305DEC3E1B53E" ma:contentTypeVersion="15" ma:contentTypeDescription="Create a new document." ma:contentTypeScope="" ma:versionID="a6814ea74d3fb77b5ad977a3843b2846">
   <xsd:schema xmlns:xsd="http://www.w3.org/2001/XMLSchema" xmlns:xs="http://www.w3.org/2001/XMLSchema" xmlns:p="http://schemas.microsoft.com/office/2006/metadata/properties" xmlns:ns3="c80d803b-ee30-4cf1-8997-d5dbef288d47" xmlns:ns4="1c1e4822-5b82-4cb4-a39e-28e929ec74cb" targetNamespace="http://schemas.microsoft.com/office/2006/metadata/properties" ma:root="true" ma:fieldsID="20e89a6ac46c5aeb3e918dc78faa7076" ns3:_="" ns4:_="">
     <xsd:import namespace="c80d803b-ee30-4cf1-8997-d5dbef288d47"/>
@@ -9874,14 +10269,6 @@
 </ct:contentTypeSchema>
 </file>
 
-<file path=customXml/item3.xml><?xml version="1.0" encoding="utf-8"?>
-<p:properties xmlns:p="http://schemas.microsoft.com/office/2006/metadata/properties" xmlns:xsi="http://www.w3.org/2001/XMLSchema-instance" xmlns:pc="http://schemas.microsoft.com/office/infopath/2007/PartnerControls">
-  <documentManagement>
-    <_activity xmlns="c80d803b-ee30-4cf1-8997-d5dbef288d47" xsi:nil="true"/>
-  </documentManagement>
-</p:properties>
-</file>
-
 <file path=customXml/itemProps1.xml><?xml version="1.0" encoding="utf-8"?>
 <ds:datastoreItem xmlns:ds="http://schemas.openxmlformats.org/officeDocument/2006/customXml" ds:itemID="{368385C8-0F30-4715-A3AB-3C95C147C3E9}">
   <ds:schemaRefs>
@@ -9891,6 +10278,23 @@
 </file>
 
 <file path=customXml/itemProps2.xml><?xml version="1.0" encoding="utf-8"?>
+<ds:datastoreItem xmlns:ds="http://schemas.openxmlformats.org/officeDocument/2006/customXml" ds:itemID="{CAAADD9B-B160-41E0-9B52-E80C3F8F4C9E}">
+  <ds:schemaRefs>
+    <ds:schemaRef ds:uri="http://purl.org/dc/terms/"/>
+    <ds:schemaRef ds:uri="c80d803b-ee30-4cf1-8997-d5dbef288d47"/>
+    <ds:schemaRef ds:uri="http://schemas.microsoft.com/office/infopath/2007/PartnerControls"/>
+    <ds:schemaRef ds:uri="http://schemas.microsoft.com/office/2006/documentManagement/types"/>
+    <ds:schemaRef ds:uri="http://purl.org/dc/elements/1.1/"/>
+    <ds:schemaRef ds:uri="http://schemas.openxmlformats.org/package/2006/metadata/core-properties"/>
+    <ds:schemaRef ds:uri="http://purl.org/dc/dcmitype/"/>
+    <ds:schemaRef ds:uri="1c1e4822-5b82-4cb4-a39e-28e929ec74cb"/>
+    <ds:schemaRef ds:uri="http://schemas.microsoft.com/office/2006/metadata/properties"/>
+    <ds:schemaRef ds:uri="http://www.w3.org/XML/1998/namespace"/>
+  </ds:schemaRefs>
+</ds:datastoreItem>
+</file>
+
+<file path=customXml/itemProps3.xml><?xml version="1.0" encoding="utf-8"?>
 <ds:datastoreItem xmlns:ds="http://schemas.openxmlformats.org/officeDocument/2006/customXml" ds:itemID="{BEEA7200-2846-4DF0-8F54-4E012AB88C86}">
   <ds:schemaRefs>
     <ds:schemaRef ds:uri="http://schemas.microsoft.com/office/2006/metadata/contentType"/>
@@ -9907,21 +10311,4 @@
     <ds:schemaRef ds:uri="http://schemas.microsoft.com/internal/obd"/>
   </ds:schemaRefs>
 </ds:datastoreItem>
-</file>
-
-<file path=customXml/itemProps3.xml><?xml version="1.0" encoding="utf-8"?>
-<ds:datastoreItem xmlns:ds="http://schemas.openxmlformats.org/officeDocument/2006/customXml" ds:itemID="{CAAADD9B-B160-41E0-9B52-E80C3F8F4C9E}">
-  <ds:schemaRefs>
-    <ds:schemaRef ds:uri="http://purl.org/dc/terms/"/>
-    <ds:schemaRef ds:uri="c80d803b-ee30-4cf1-8997-d5dbef288d47"/>
-    <ds:schemaRef ds:uri="http://schemas.microsoft.com/office/infopath/2007/PartnerControls"/>
-    <ds:schemaRef ds:uri="http://schemas.microsoft.com/office/2006/documentManagement/types"/>
-    <ds:schemaRef ds:uri="http://purl.org/dc/elements/1.1/"/>
-    <ds:schemaRef ds:uri="http://schemas.openxmlformats.org/package/2006/metadata/core-properties"/>
-    <ds:schemaRef ds:uri="http://purl.org/dc/dcmitype/"/>
-    <ds:schemaRef ds:uri="1c1e4822-5b82-4cb4-a39e-28e929ec74cb"/>
-    <ds:schemaRef ds:uri="http://schemas.microsoft.com/office/2006/metadata/properties"/>
-    <ds:schemaRef ds:uri="http://www.w3.org/XML/1998/namespace"/>
-  </ds:schemaRefs>
-</ds:datastoreItem>
 </file>